--- a/documentation/Exposition MOD.pptx
+++ b/documentation/Exposition MOD.pptx
@@ -18,7 +18,7 @@
     <p:sldId id="266" r:id="rId13"/>
   </p:sldIdLst>
   <p:sldSz cx="12192000" cy="6858000"/>
-  <p:notesSz cx="6858000" cy="9144000"/>
+  <p:notesSz cx="7559675" cy="10691812"/>
 </p:presentation>
 </file>
 
@@ -63,7 +63,7 @@
       </p:grpSpPr>
       <p:sp>
         <p:nvSpPr>
-          <p:cNvPr id="26" name="PlaceHolder 1"/>
+          <p:cNvPr id="23" name="PlaceHolder 1"/>
           <p:cNvSpPr>
             <a:spLocks noGrp="1"/>
           </p:cNvSpPr>
@@ -74,7 +74,7 @@
         <p:spPr>
           <a:xfrm>
             <a:off x="1523880" y="1122480"/>
-            <a:ext cx="9143640" cy="2387160"/>
+            <a:ext cx="9143280" cy="2386800"/>
           </a:xfrm>
           <a:prstGeom prst="rect">
             <a:avLst/>
@@ -85,18 +85,16 @@
             <a:noAutofit/>
           </a:bodyPr>
           <a:p>
-            <a:endParaRPr b="0" lang="es-ES" sz="1400" spc="-1" strike="noStrike">
-              <a:solidFill>
-                <a:srgbClr val="000000"/>
-              </a:solidFill>
-              <a:latin typeface="Arial"/>
-            </a:endParaRPr>
-          </a:p>
-        </p:txBody>
-      </p:sp>
-      <p:sp>
-        <p:nvSpPr>
-          <p:cNvPr id="27" name="PlaceHolder 2"/>
+            <a:pPr algn="ctr"/>
+            <a:endParaRPr b="0" lang="es-ES" sz="4400" spc="-1" strike="noStrike">
+              <a:latin typeface="Arial"/>
+            </a:endParaRPr>
+          </a:p>
+        </p:txBody>
+      </p:sp>
+      <p:sp>
+        <p:nvSpPr>
+          <p:cNvPr id="24" name="PlaceHolder 2"/>
           <p:cNvSpPr>
             <a:spLocks noGrp="1"/>
           </p:cNvSpPr>
@@ -118,18 +116,15 @@
             <a:normAutofit/>
           </a:bodyPr>
           <a:p>
-            <a:endParaRPr b="0" lang="es-ES" sz="1400" spc="-1" strike="noStrike">
-              <a:solidFill>
-                <a:srgbClr val="000000"/>
-              </a:solidFill>
-              <a:latin typeface="Arial"/>
-            </a:endParaRPr>
-          </a:p>
-        </p:txBody>
-      </p:sp>
-      <p:sp>
-        <p:nvSpPr>
-          <p:cNvPr id="28" name="PlaceHolder 3"/>
+            <a:endParaRPr b="0" lang="es-ES" sz="3200" spc="-1" strike="noStrike">
+              <a:latin typeface="Arial"/>
+            </a:endParaRPr>
+          </a:p>
+        </p:txBody>
+      </p:sp>
+      <p:sp>
+        <p:nvSpPr>
+          <p:cNvPr id="25" name="PlaceHolder 3"/>
           <p:cNvSpPr>
             <a:spLocks noGrp="1"/>
           </p:cNvSpPr>
@@ -151,10 +146,7 @@
             <a:normAutofit/>
           </a:bodyPr>
           <a:p>
-            <a:endParaRPr b="0" lang="es-ES" sz="1400" spc="-1" strike="noStrike">
-              <a:solidFill>
-                <a:srgbClr val="000000"/>
-              </a:solidFill>
+            <a:endParaRPr b="0" lang="es-ES" sz="3200" spc="-1" strike="noStrike">
               <a:latin typeface="Arial"/>
             </a:endParaRPr>
           </a:p>
@@ -184,7 +176,7 @@
       </p:grpSpPr>
       <p:sp>
         <p:nvSpPr>
-          <p:cNvPr id="29" name="PlaceHolder 1"/>
+          <p:cNvPr id="26" name="PlaceHolder 1"/>
           <p:cNvSpPr>
             <a:spLocks noGrp="1"/>
           </p:cNvSpPr>
@@ -195,7 +187,7 @@
         <p:spPr>
           <a:xfrm>
             <a:off x="1523880" y="1122480"/>
-            <a:ext cx="9143640" cy="2387160"/>
+            <a:ext cx="9143280" cy="2386800"/>
           </a:xfrm>
           <a:prstGeom prst="rect">
             <a:avLst/>
@@ -206,18 +198,16 @@
             <a:noAutofit/>
           </a:bodyPr>
           <a:p>
-            <a:endParaRPr b="0" lang="es-ES" sz="1400" spc="-1" strike="noStrike">
-              <a:solidFill>
-                <a:srgbClr val="000000"/>
-              </a:solidFill>
-              <a:latin typeface="Arial"/>
-            </a:endParaRPr>
-          </a:p>
-        </p:txBody>
-      </p:sp>
-      <p:sp>
-        <p:nvSpPr>
-          <p:cNvPr id="30" name="PlaceHolder 2"/>
+            <a:pPr algn="ctr"/>
+            <a:endParaRPr b="0" lang="es-ES" sz="4400" spc="-1" strike="noStrike">
+              <a:latin typeface="Arial"/>
+            </a:endParaRPr>
+          </a:p>
+        </p:txBody>
+      </p:sp>
+      <p:sp>
+        <p:nvSpPr>
+          <p:cNvPr id="27" name="PlaceHolder 2"/>
           <p:cNvSpPr>
             <a:spLocks noGrp="1"/>
           </p:cNvSpPr>
@@ -239,18 +229,15 @@
             <a:normAutofit/>
           </a:bodyPr>
           <a:p>
-            <a:endParaRPr b="0" lang="es-ES" sz="1400" spc="-1" strike="noStrike">
-              <a:solidFill>
-                <a:srgbClr val="000000"/>
-              </a:solidFill>
-              <a:latin typeface="Arial"/>
-            </a:endParaRPr>
-          </a:p>
-        </p:txBody>
-      </p:sp>
-      <p:sp>
-        <p:nvSpPr>
-          <p:cNvPr id="31" name="PlaceHolder 3"/>
+            <a:endParaRPr b="0" lang="es-ES" sz="3200" spc="-1" strike="noStrike">
+              <a:latin typeface="Arial"/>
+            </a:endParaRPr>
+          </a:p>
+        </p:txBody>
+      </p:sp>
+      <p:sp>
+        <p:nvSpPr>
+          <p:cNvPr id="28" name="PlaceHolder 3"/>
           <p:cNvSpPr>
             <a:spLocks noGrp="1"/>
           </p:cNvSpPr>
@@ -272,18 +259,15 @@
             <a:normAutofit/>
           </a:bodyPr>
           <a:p>
-            <a:endParaRPr b="0" lang="es-ES" sz="1400" spc="-1" strike="noStrike">
-              <a:solidFill>
-                <a:srgbClr val="000000"/>
-              </a:solidFill>
-              <a:latin typeface="Arial"/>
-            </a:endParaRPr>
-          </a:p>
-        </p:txBody>
-      </p:sp>
-      <p:sp>
-        <p:nvSpPr>
-          <p:cNvPr id="32" name="PlaceHolder 4"/>
+            <a:endParaRPr b="0" lang="es-ES" sz="3200" spc="-1" strike="noStrike">
+              <a:latin typeface="Arial"/>
+            </a:endParaRPr>
+          </a:p>
+        </p:txBody>
+      </p:sp>
+      <p:sp>
+        <p:nvSpPr>
+          <p:cNvPr id="29" name="PlaceHolder 4"/>
           <p:cNvSpPr>
             <a:spLocks noGrp="1"/>
           </p:cNvSpPr>
@@ -305,18 +289,15 @@
             <a:normAutofit/>
           </a:bodyPr>
           <a:p>
-            <a:endParaRPr b="0" lang="es-ES" sz="1400" spc="-1" strike="noStrike">
-              <a:solidFill>
-                <a:srgbClr val="000000"/>
-              </a:solidFill>
-              <a:latin typeface="Arial"/>
-            </a:endParaRPr>
-          </a:p>
-        </p:txBody>
-      </p:sp>
-      <p:sp>
-        <p:nvSpPr>
-          <p:cNvPr id="33" name="PlaceHolder 5"/>
+            <a:endParaRPr b="0" lang="es-ES" sz="3200" spc="-1" strike="noStrike">
+              <a:latin typeface="Arial"/>
+            </a:endParaRPr>
+          </a:p>
+        </p:txBody>
+      </p:sp>
+      <p:sp>
+        <p:nvSpPr>
+          <p:cNvPr id="30" name="PlaceHolder 5"/>
           <p:cNvSpPr>
             <a:spLocks noGrp="1"/>
           </p:cNvSpPr>
@@ -338,10 +319,7 @@
             <a:normAutofit/>
           </a:bodyPr>
           <a:p>
-            <a:endParaRPr b="0" lang="es-ES" sz="1400" spc="-1" strike="noStrike">
-              <a:solidFill>
-                <a:srgbClr val="000000"/>
-              </a:solidFill>
+            <a:endParaRPr b="0" lang="es-ES" sz="3200" spc="-1" strike="noStrike">
               <a:latin typeface="Arial"/>
             </a:endParaRPr>
           </a:p>
@@ -371,7 +349,7 @@
       </p:grpSpPr>
       <p:sp>
         <p:nvSpPr>
-          <p:cNvPr id="34" name="PlaceHolder 1"/>
+          <p:cNvPr id="31" name="PlaceHolder 1"/>
           <p:cNvSpPr>
             <a:spLocks noGrp="1"/>
           </p:cNvSpPr>
@@ -382,7 +360,7 @@
         <p:spPr>
           <a:xfrm>
             <a:off x="1523880" y="1122480"/>
-            <a:ext cx="9143640" cy="2387160"/>
+            <a:ext cx="9143280" cy="2386800"/>
           </a:xfrm>
           <a:prstGeom prst="rect">
             <a:avLst/>
@@ -393,18 +371,16 @@
             <a:noAutofit/>
           </a:bodyPr>
           <a:p>
-            <a:endParaRPr b="0" lang="es-ES" sz="1400" spc="-1" strike="noStrike">
-              <a:solidFill>
-                <a:srgbClr val="000000"/>
-              </a:solidFill>
-              <a:latin typeface="Arial"/>
-            </a:endParaRPr>
-          </a:p>
-        </p:txBody>
-      </p:sp>
-      <p:sp>
-        <p:nvSpPr>
-          <p:cNvPr id="35" name="PlaceHolder 2"/>
+            <a:pPr algn="ctr"/>
+            <a:endParaRPr b="0" lang="es-ES" sz="4400" spc="-1" strike="noStrike">
+              <a:latin typeface="Arial"/>
+            </a:endParaRPr>
+          </a:p>
+        </p:txBody>
+      </p:sp>
+      <p:sp>
+        <p:nvSpPr>
+          <p:cNvPr id="32" name="PlaceHolder 2"/>
           <p:cNvSpPr>
             <a:spLocks noGrp="1"/>
           </p:cNvSpPr>
@@ -426,18 +402,15 @@
             <a:normAutofit/>
           </a:bodyPr>
           <a:p>
-            <a:endParaRPr b="0" lang="es-ES" sz="1400" spc="-1" strike="noStrike">
-              <a:solidFill>
-                <a:srgbClr val="000000"/>
-              </a:solidFill>
-              <a:latin typeface="Arial"/>
-            </a:endParaRPr>
-          </a:p>
-        </p:txBody>
-      </p:sp>
-      <p:sp>
-        <p:nvSpPr>
-          <p:cNvPr id="36" name="PlaceHolder 3"/>
+            <a:endParaRPr b="0" lang="es-ES" sz="3200" spc="-1" strike="noStrike">
+              <a:latin typeface="Arial"/>
+            </a:endParaRPr>
+          </a:p>
+        </p:txBody>
+      </p:sp>
+      <p:sp>
+        <p:nvSpPr>
+          <p:cNvPr id="33" name="PlaceHolder 3"/>
           <p:cNvSpPr>
             <a:spLocks noGrp="1"/>
           </p:cNvSpPr>
@@ -459,18 +432,15 @@
             <a:normAutofit/>
           </a:bodyPr>
           <a:p>
-            <a:endParaRPr b="0" lang="es-ES" sz="1400" spc="-1" strike="noStrike">
-              <a:solidFill>
-                <a:srgbClr val="000000"/>
-              </a:solidFill>
-              <a:latin typeface="Arial"/>
-            </a:endParaRPr>
-          </a:p>
-        </p:txBody>
-      </p:sp>
-      <p:sp>
-        <p:nvSpPr>
-          <p:cNvPr id="37" name="PlaceHolder 4"/>
+            <a:endParaRPr b="0" lang="es-ES" sz="3200" spc="-1" strike="noStrike">
+              <a:latin typeface="Arial"/>
+            </a:endParaRPr>
+          </a:p>
+        </p:txBody>
+      </p:sp>
+      <p:sp>
+        <p:nvSpPr>
+          <p:cNvPr id="34" name="PlaceHolder 4"/>
           <p:cNvSpPr>
             <a:spLocks noGrp="1"/>
           </p:cNvSpPr>
@@ -492,18 +462,15 @@
             <a:normAutofit/>
           </a:bodyPr>
           <a:p>
-            <a:endParaRPr b="0" lang="es-ES" sz="1400" spc="-1" strike="noStrike">
-              <a:solidFill>
-                <a:srgbClr val="000000"/>
-              </a:solidFill>
-              <a:latin typeface="Arial"/>
-            </a:endParaRPr>
-          </a:p>
-        </p:txBody>
-      </p:sp>
-      <p:sp>
-        <p:nvSpPr>
-          <p:cNvPr id="38" name="PlaceHolder 5"/>
+            <a:endParaRPr b="0" lang="es-ES" sz="3200" spc="-1" strike="noStrike">
+              <a:latin typeface="Arial"/>
+            </a:endParaRPr>
+          </a:p>
+        </p:txBody>
+      </p:sp>
+      <p:sp>
+        <p:nvSpPr>
+          <p:cNvPr id="35" name="PlaceHolder 5"/>
           <p:cNvSpPr>
             <a:spLocks noGrp="1"/>
           </p:cNvSpPr>
@@ -525,18 +492,15 @@
             <a:normAutofit/>
           </a:bodyPr>
           <a:p>
-            <a:endParaRPr b="0" lang="es-ES" sz="1400" spc="-1" strike="noStrike">
-              <a:solidFill>
-                <a:srgbClr val="000000"/>
-              </a:solidFill>
-              <a:latin typeface="Arial"/>
-            </a:endParaRPr>
-          </a:p>
-        </p:txBody>
-      </p:sp>
-      <p:sp>
-        <p:nvSpPr>
-          <p:cNvPr id="39" name="PlaceHolder 6"/>
+            <a:endParaRPr b="0" lang="es-ES" sz="3200" spc="-1" strike="noStrike">
+              <a:latin typeface="Arial"/>
+            </a:endParaRPr>
+          </a:p>
+        </p:txBody>
+      </p:sp>
+      <p:sp>
+        <p:nvSpPr>
+          <p:cNvPr id="36" name="PlaceHolder 6"/>
           <p:cNvSpPr>
             <a:spLocks noGrp="1"/>
           </p:cNvSpPr>
@@ -558,18 +522,15 @@
             <a:normAutofit/>
           </a:bodyPr>
           <a:p>
-            <a:endParaRPr b="0" lang="es-ES" sz="1400" spc="-1" strike="noStrike">
-              <a:solidFill>
-                <a:srgbClr val="000000"/>
-              </a:solidFill>
-              <a:latin typeface="Arial"/>
-            </a:endParaRPr>
-          </a:p>
-        </p:txBody>
-      </p:sp>
-      <p:sp>
-        <p:nvSpPr>
-          <p:cNvPr id="40" name="PlaceHolder 7"/>
+            <a:endParaRPr b="0" lang="es-ES" sz="3200" spc="-1" strike="noStrike">
+              <a:latin typeface="Arial"/>
+            </a:endParaRPr>
+          </a:p>
+        </p:txBody>
+      </p:sp>
+      <p:sp>
+        <p:nvSpPr>
+          <p:cNvPr id="37" name="PlaceHolder 7"/>
           <p:cNvSpPr>
             <a:spLocks noGrp="1"/>
           </p:cNvSpPr>
@@ -591,10 +552,7 @@
             <a:normAutofit/>
           </a:bodyPr>
           <a:p>
-            <a:endParaRPr b="0" lang="es-ES" sz="1400" spc="-1" strike="noStrike">
-              <a:solidFill>
-                <a:srgbClr val="000000"/>
-              </a:solidFill>
+            <a:endParaRPr b="0" lang="es-ES" sz="3200" spc="-1" strike="noStrike">
               <a:latin typeface="Arial"/>
             </a:endParaRPr>
           </a:p>
@@ -624,7 +582,7 @@
       </p:grpSpPr>
       <p:sp>
         <p:nvSpPr>
-          <p:cNvPr id="5" name="PlaceHolder 1"/>
+          <p:cNvPr id="2" name="PlaceHolder 1"/>
           <p:cNvSpPr>
             <a:spLocks noGrp="1"/>
           </p:cNvSpPr>
@@ -635,7 +593,7 @@
         <p:spPr>
           <a:xfrm>
             <a:off x="1523880" y="1122480"/>
-            <a:ext cx="9143640" cy="2387160"/>
+            <a:ext cx="9143280" cy="2386800"/>
           </a:xfrm>
           <a:prstGeom prst="rect">
             <a:avLst/>
@@ -646,18 +604,16 @@
             <a:noAutofit/>
           </a:bodyPr>
           <a:p>
-            <a:endParaRPr b="0" lang="es-ES" sz="1400" spc="-1" strike="noStrike">
-              <a:solidFill>
-                <a:srgbClr val="000000"/>
-              </a:solidFill>
-              <a:latin typeface="Arial"/>
-            </a:endParaRPr>
-          </a:p>
-        </p:txBody>
-      </p:sp>
-      <p:sp>
-        <p:nvSpPr>
-          <p:cNvPr id="6" name="PlaceHolder 2"/>
+            <a:pPr algn="ctr"/>
+            <a:endParaRPr b="0" lang="es-ES" sz="4400" spc="-1" strike="noStrike">
+              <a:latin typeface="Arial"/>
+            </a:endParaRPr>
+          </a:p>
+        </p:txBody>
+      </p:sp>
+      <p:sp>
+        <p:nvSpPr>
+          <p:cNvPr id="3" name="PlaceHolder 2"/>
           <p:cNvSpPr>
             <a:spLocks noGrp="1"/>
           </p:cNvSpPr>
@@ -710,7 +666,7 @@
       </p:grpSpPr>
       <p:sp>
         <p:nvSpPr>
-          <p:cNvPr id="7" name="PlaceHolder 1"/>
+          <p:cNvPr id="4" name="PlaceHolder 1"/>
           <p:cNvSpPr>
             <a:spLocks noGrp="1"/>
           </p:cNvSpPr>
@@ -721,7 +677,7 @@
         <p:spPr>
           <a:xfrm>
             <a:off x="1523880" y="1122480"/>
-            <a:ext cx="9143640" cy="2387160"/>
+            <a:ext cx="9143280" cy="2386800"/>
           </a:xfrm>
           <a:prstGeom prst="rect">
             <a:avLst/>
@@ -732,18 +688,16 @@
             <a:noAutofit/>
           </a:bodyPr>
           <a:p>
-            <a:endParaRPr b="0" lang="es-ES" sz="1400" spc="-1" strike="noStrike">
-              <a:solidFill>
-                <a:srgbClr val="000000"/>
-              </a:solidFill>
-              <a:latin typeface="Arial"/>
-            </a:endParaRPr>
-          </a:p>
-        </p:txBody>
-      </p:sp>
-      <p:sp>
-        <p:nvSpPr>
-          <p:cNvPr id="8" name="PlaceHolder 2"/>
+            <a:pPr algn="ctr"/>
+            <a:endParaRPr b="0" lang="es-ES" sz="4400" spc="-1" strike="noStrike">
+              <a:latin typeface="Arial"/>
+            </a:endParaRPr>
+          </a:p>
+        </p:txBody>
+      </p:sp>
+      <p:sp>
+        <p:nvSpPr>
+          <p:cNvPr id="5" name="PlaceHolder 2"/>
           <p:cNvSpPr>
             <a:spLocks noGrp="1"/>
           </p:cNvSpPr>
@@ -765,10 +719,7 @@
             <a:normAutofit/>
           </a:bodyPr>
           <a:p>
-            <a:endParaRPr b="0" lang="es-ES" sz="1400" spc="-1" strike="noStrike">
-              <a:solidFill>
-                <a:srgbClr val="000000"/>
-              </a:solidFill>
+            <a:endParaRPr b="0" lang="es-ES" sz="3200" spc="-1" strike="noStrike">
               <a:latin typeface="Arial"/>
             </a:endParaRPr>
           </a:p>
@@ -798,7 +749,7 @@
       </p:grpSpPr>
       <p:sp>
         <p:nvSpPr>
-          <p:cNvPr id="9" name="PlaceHolder 1"/>
+          <p:cNvPr id="6" name="PlaceHolder 1"/>
           <p:cNvSpPr>
             <a:spLocks noGrp="1"/>
           </p:cNvSpPr>
@@ -809,7 +760,7 @@
         <p:spPr>
           <a:xfrm>
             <a:off x="1523880" y="1122480"/>
-            <a:ext cx="9143640" cy="2387160"/>
+            <a:ext cx="9143280" cy="2386800"/>
           </a:xfrm>
           <a:prstGeom prst="rect">
             <a:avLst/>
@@ -820,18 +771,16 @@
             <a:noAutofit/>
           </a:bodyPr>
           <a:p>
-            <a:endParaRPr b="0" lang="es-ES" sz="1400" spc="-1" strike="noStrike">
-              <a:solidFill>
-                <a:srgbClr val="000000"/>
-              </a:solidFill>
-              <a:latin typeface="Arial"/>
-            </a:endParaRPr>
-          </a:p>
-        </p:txBody>
-      </p:sp>
-      <p:sp>
-        <p:nvSpPr>
-          <p:cNvPr id="10" name="PlaceHolder 2"/>
+            <a:pPr algn="ctr"/>
+            <a:endParaRPr b="0" lang="es-ES" sz="4400" spc="-1" strike="noStrike">
+              <a:latin typeface="Arial"/>
+            </a:endParaRPr>
+          </a:p>
+        </p:txBody>
+      </p:sp>
+      <p:sp>
+        <p:nvSpPr>
+          <p:cNvPr id="7" name="PlaceHolder 2"/>
           <p:cNvSpPr>
             <a:spLocks noGrp="1"/>
           </p:cNvSpPr>
@@ -853,18 +802,15 @@
             <a:normAutofit/>
           </a:bodyPr>
           <a:p>
-            <a:endParaRPr b="0" lang="es-ES" sz="1400" spc="-1" strike="noStrike">
-              <a:solidFill>
-                <a:srgbClr val="000000"/>
-              </a:solidFill>
-              <a:latin typeface="Arial"/>
-            </a:endParaRPr>
-          </a:p>
-        </p:txBody>
-      </p:sp>
-      <p:sp>
-        <p:nvSpPr>
-          <p:cNvPr id="11" name="PlaceHolder 3"/>
+            <a:endParaRPr b="0" lang="es-ES" sz="3200" spc="-1" strike="noStrike">
+              <a:latin typeface="Arial"/>
+            </a:endParaRPr>
+          </a:p>
+        </p:txBody>
+      </p:sp>
+      <p:sp>
+        <p:nvSpPr>
+          <p:cNvPr id="8" name="PlaceHolder 3"/>
           <p:cNvSpPr>
             <a:spLocks noGrp="1"/>
           </p:cNvSpPr>
@@ -886,10 +832,7 @@
             <a:normAutofit/>
           </a:bodyPr>
           <a:p>
-            <a:endParaRPr b="0" lang="es-ES" sz="1400" spc="-1" strike="noStrike">
-              <a:solidFill>
-                <a:srgbClr val="000000"/>
-              </a:solidFill>
+            <a:endParaRPr b="0" lang="es-ES" sz="3200" spc="-1" strike="noStrike">
               <a:latin typeface="Arial"/>
             </a:endParaRPr>
           </a:p>
@@ -919,7 +862,7 @@
       </p:grpSpPr>
       <p:sp>
         <p:nvSpPr>
-          <p:cNvPr id="12" name="PlaceHolder 1"/>
+          <p:cNvPr id="9" name="PlaceHolder 1"/>
           <p:cNvSpPr>
             <a:spLocks noGrp="1"/>
           </p:cNvSpPr>
@@ -930,7 +873,7 @@
         <p:spPr>
           <a:xfrm>
             <a:off x="1523880" y="1122480"/>
-            <a:ext cx="9143640" cy="2387160"/>
+            <a:ext cx="9143280" cy="2386800"/>
           </a:xfrm>
           <a:prstGeom prst="rect">
             <a:avLst/>
@@ -941,10 +884,8 @@
             <a:noAutofit/>
           </a:bodyPr>
           <a:p>
-            <a:endParaRPr b="0" lang="es-ES" sz="1400" spc="-1" strike="noStrike">
-              <a:solidFill>
-                <a:srgbClr val="000000"/>
-              </a:solidFill>
+            <a:pPr algn="ctr"/>
+            <a:endParaRPr b="0" lang="es-ES" sz="4400" spc="-1" strike="noStrike">
               <a:latin typeface="Arial"/>
             </a:endParaRPr>
           </a:p>
@@ -974,7 +915,7 @@
       </p:grpSpPr>
       <p:sp>
         <p:nvSpPr>
-          <p:cNvPr id="13" name="PlaceHolder 1"/>
+          <p:cNvPr id="10" name="PlaceHolder 1"/>
           <p:cNvSpPr>
             <a:spLocks noGrp="1"/>
           </p:cNvSpPr>
@@ -985,7 +926,7 @@
         <p:spPr>
           <a:xfrm>
             <a:off x="1523880" y="1122480"/>
-            <a:ext cx="9143640" cy="11066760"/>
+            <a:ext cx="9143280" cy="11064960"/>
           </a:xfrm>
           <a:prstGeom prst="rect">
             <a:avLst/>
@@ -1027,7 +968,7 @@
       </p:grpSpPr>
       <p:sp>
         <p:nvSpPr>
-          <p:cNvPr id="14" name="PlaceHolder 1"/>
+          <p:cNvPr id="11" name="PlaceHolder 1"/>
           <p:cNvSpPr>
             <a:spLocks noGrp="1"/>
           </p:cNvSpPr>
@@ -1038,7 +979,7 @@
         <p:spPr>
           <a:xfrm>
             <a:off x="1523880" y="1122480"/>
-            <a:ext cx="9143640" cy="2387160"/>
+            <a:ext cx="9143280" cy="2386800"/>
           </a:xfrm>
           <a:prstGeom prst="rect">
             <a:avLst/>
@@ -1049,18 +990,16 @@
             <a:noAutofit/>
           </a:bodyPr>
           <a:p>
-            <a:endParaRPr b="0" lang="es-ES" sz="1400" spc="-1" strike="noStrike">
-              <a:solidFill>
-                <a:srgbClr val="000000"/>
-              </a:solidFill>
-              <a:latin typeface="Arial"/>
-            </a:endParaRPr>
-          </a:p>
-        </p:txBody>
-      </p:sp>
-      <p:sp>
-        <p:nvSpPr>
-          <p:cNvPr id="15" name="PlaceHolder 2"/>
+            <a:pPr algn="ctr"/>
+            <a:endParaRPr b="0" lang="es-ES" sz="4400" spc="-1" strike="noStrike">
+              <a:latin typeface="Arial"/>
+            </a:endParaRPr>
+          </a:p>
+        </p:txBody>
+      </p:sp>
+      <p:sp>
+        <p:nvSpPr>
+          <p:cNvPr id="12" name="PlaceHolder 2"/>
           <p:cNvSpPr>
             <a:spLocks noGrp="1"/>
           </p:cNvSpPr>
@@ -1082,18 +1021,15 @@
             <a:normAutofit/>
           </a:bodyPr>
           <a:p>
-            <a:endParaRPr b="0" lang="es-ES" sz="1400" spc="-1" strike="noStrike">
-              <a:solidFill>
-                <a:srgbClr val="000000"/>
-              </a:solidFill>
-              <a:latin typeface="Arial"/>
-            </a:endParaRPr>
-          </a:p>
-        </p:txBody>
-      </p:sp>
-      <p:sp>
-        <p:nvSpPr>
-          <p:cNvPr id="16" name="PlaceHolder 3"/>
+            <a:endParaRPr b="0" lang="es-ES" sz="3200" spc="-1" strike="noStrike">
+              <a:latin typeface="Arial"/>
+            </a:endParaRPr>
+          </a:p>
+        </p:txBody>
+      </p:sp>
+      <p:sp>
+        <p:nvSpPr>
+          <p:cNvPr id="13" name="PlaceHolder 3"/>
           <p:cNvSpPr>
             <a:spLocks noGrp="1"/>
           </p:cNvSpPr>
@@ -1115,18 +1051,15 @@
             <a:normAutofit/>
           </a:bodyPr>
           <a:p>
-            <a:endParaRPr b="0" lang="es-ES" sz="1400" spc="-1" strike="noStrike">
-              <a:solidFill>
-                <a:srgbClr val="000000"/>
-              </a:solidFill>
-              <a:latin typeface="Arial"/>
-            </a:endParaRPr>
-          </a:p>
-        </p:txBody>
-      </p:sp>
-      <p:sp>
-        <p:nvSpPr>
-          <p:cNvPr id="17" name="PlaceHolder 4"/>
+            <a:endParaRPr b="0" lang="es-ES" sz="3200" spc="-1" strike="noStrike">
+              <a:latin typeface="Arial"/>
+            </a:endParaRPr>
+          </a:p>
+        </p:txBody>
+      </p:sp>
+      <p:sp>
+        <p:nvSpPr>
+          <p:cNvPr id="14" name="PlaceHolder 4"/>
           <p:cNvSpPr>
             <a:spLocks noGrp="1"/>
           </p:cNvSpPr>
@@ -1148,10 +1081,7 @@
             <a:normAutofit/>
           </a:bodyPr>
           <a:p>
-            <a:endParaRPr b="0" lang="es-ES" sz="1400" spc="-1" strike="noStrike">
-              <a:solidFill>
-                <a:srgbClr val="000000"/>
-              </a:solidFill>
+            <a:endParaRPr b="0" lang="es-ES" sz="3200" spc="-1" strike="noStrike">
               <a:latin typeface="Arial"/>
             </a:endParaRPr>
           </a:p>
@@ -1181,7 +1111,7 @@
       </p:grpSpPr>
       <p:sp>
         <p:nvSpPr>
-          <p:cNvPr id="18" name="PlaceHolder 1"/>
+          <p:cNvPr id="15" name="PlaceHolder 1"/>
           <p:cNvSpPr>
             <a:spLocks noGrp="1"/>
           </p:cNvSpPr>
@@ -1192,7 +1122,7 @@
         <p:spPr>
           <a:xfrm>
             <a:off x="1523880" y="1122480"/>
-            <a:ext cx="9143640" cy="2387160"/>
+            <a:ext cx="9143280" cy="2386800"/>
           </a:xfrm>
           <a:prstGeom prst="rect">
             <a:avLst/>
@@ -1203,18 +1133,16 @@
             <a:noAutofit/>
           </a:bodyPr>
           <a:p>
-            <a:endParaRPr b="0" lang="es-ES" sz="1400" spc="-1" strike="noStrike">
-              <a:solidFill>
-                <a:srgbClr val="000000"/>
-              </a:solidFill>
-              <a:latin typeface="Arial"/>
-            </a:endParaRPr>
-          </a:p>
-        </p:txBody>
-      </p:sp>
-      <p:sp>
-        <p:nvSpPr>
-          <p:cNvPr id="19" name="PlaceHolder 2"/>
+            <a:pPr algn="ctr"/>
+            <a:endParaRPr b="0" lang="es-ES" sz="4400" spc="-1" strike="noStrike">
+              <a:latin typeface="Arial"/>
+            </a:endParaRPr>
+          </a:p>
+        </p:txBody>
+      </p:sp>
+      <p:sp>
+        <p:nvSpPr>
+          <p:cNvPr id="16" name="PlaceHolder 2"/>
           <p:cNvSpPr>
             <a:spLocks noGrp="1"/>
           </p:cNvSpPr>
@@ -1236,18 +1164,15 @@
             <a:normAutofit/>
           </a:bodyPr>
           <a:p>
-            <a:endParaRPr b="0" lang="es-ES" sz="1400" spc="-1" strike="noStrike">
-              <a:solidFill>
-                <a:srgbClr val="000000"/>
-              </a:solidFill>
-              <a:latin typeface="Arial"/>
-            </a:endParaRPr>
-          </a:p>
-        </p:txBody>
-      </p:sp>
-      <p:sp>
-        <p:nvSpPr>
-          <p:cNvPr id="20" name="PlaceHolder 3"/>
+            <a:endParaRPr b="0" lang="es-ES" sz="3200" spc="-1" strike="noStrike">
+              <a:latin typeface="Arial"/>
+            </a:endParaRPr>
+          </a:p>
+        </p:txBody>
+      </p:sp>
+      <p:sp>
+        <p:nvSpPr>
+          <p:cNvPr id="17" name="PlaceHolder 3"/>
           <p:cNvSpPr>
             <a:spLocks noGrp="1"/>
           </p:cNvSpPr>
@@ -1269,18 +1194,15 @@
             <a:normAutofit/>
           </a:bodyPr>
           <a:p>
-            <a:endParaRPr b="0" lang="es-ES" sz="1400" spc="-1" strike="noStrike">
-              <a:solidFill>
-                <a:srgbClr val="000000"/>
-              </a:solidFill>
-              <a:latin typeface="Arial"/>
-            </a:endParaRPr>
-          </a:p>
-        </p:txBody>
-      </p:sp>
-      <p:sp>
-        <p:nvSpPr>
-          <p:cNvPr id="21" name="PlaceHolder 4"/>
+            <a:endParaRPr b="0" lang="es-ES" sz="3200" spc="-1" strike="noStrike">
+              <a:latin typeface="Arial"/>
+            </a:endParaRPr>
+          </a:p>
+        </p:txBody>
+      </p:sp>
+      <p:sp>
+        <p:nvSpPr>
+          <p:cNvPr id="18" name="PlaceHolder 4"/>
           <p:cNvSpPr>
             <a:spLocks noGrp="1"/>
           </p:cNvSpPr>
@@ -1302,10 +1224,7 @@
             <a:normAutofit/>
           </a:bodyPr>
           <a:p>
-            <a:endParaRPr b="0" lang="es-ES" sz="1400" spc="-1" strike="noStrike">
-              <a:solidFill>
-                <a:srgbClr val="000000"/>
-              </a:solidFill>
+            <a:endParaRPr b="0" lang="es-ES" sz="3200" spc="-1" strike="noStrike">
               <a:latin typeface="Arial"/>
             </a:endParaRPr>
           </a:p>
@@ -1335,7 +1254,7 @@
       </p:grpSpPr>
       <p:sp>
         <p:nvSpPr>
-          <p:cNvPr id="22" name="PlaceHolder 1"/>
+          <p:cNvPr id="19" name="PlaceHolder 1"/>
           <p:cNvSpPr>
             <a:spLocks noGrp="1"/>
           </p:cNvSpPr>
@@ -1346,7 +1265,7 @@
         <p:spPr>
           <a:xfrm>
             <a:off x="1523880" y="1122480"/>
-            <a:ext cx="9143640" cy="2387160"/>
+            <a:ext cx="9143280" cy="2386800"/>
           </a:xfrm>
           <a:prstGeom prst="rect">
             <a:avLst/>
@@ -1357,18 +1276,16 @@
             <a:noAutofit/>
           </a:bodyPr>
           <a:p>
-            <a:endParaRPr b="0" lang="es-ES" sz="1400" spc="-1" strike="noStrike">
-              <a:solidFill>
-                <a:srgbClr val="000000"/>
-              </a:solidFill>
-              <a:latin typeface="Arial"/>
-            </a:endParaRPr>
-          </a:p>
-        </p:txBody>
-      </p:sp>
-      <p:sp>
-        <p:nvSpPr>
-          <p:cNvPr id="23" name="PlaceHolder 2"/>
+            <a:pPr algn="ctr"/>
+            <a:endParaRPr b="0" lang="es-ES" sz="4400" spc="-1" strike="noStrike">
+              <a:latin typeface="Arial"/>
+            </a:endParaRPr>
+          </a:p>
+        </p:txBody>
+      </p:sp>
+      <p:sp>
+        <p:nvSpPr>
+          <p:cNvPr id="20" name="PlaceHolder 2"/>
           <p:cNvSpPr>
             <a:spLocks noGrp="1"/>
           </p:cNvSpPr>
@@ -1390,18 +1307,15 @@
             <a:normAutofit/>
           </a:bodyPr>
           <a:p>
-            <a:endParaRPr b="0" lang="es-ES" sz="1400" spc="-1" strike="noStrike">
-              <a:solidFill>
-                <a:srgbClr val="000000"/>
-              </a:solidFill>
-              <a:latin typeface="Arial"/>
-            </a:endParaRPr>
-          </a:p>
-        </p:txBody>
-      </p:sp>
-      <p:sp>
-        <p:nvSpPr>
-          <p:cNvPr id="24" name="PlaceHolder 3"/>
+            <a:endParaRPr b="0" lang="es-ES" sz="3200" spc="-1" strike="noStrike">
+              <a:latin typeface="Arial"/>
+            </a:endParaRPr>
+          </a:p>
+        </p:txBody>
+      </p:sp>
+      <p:sp>
+        <p:nvSpPr>
+          <p:cNvPr id="21" name="PlaceHolder 3"/>
           <p:cNvSpPr>
             <a:spLocks noGrp="1"/>
           </p:cNvSpPr>
@@ -1423,18 +1337,15 @@
             <a:normAutofit/>
           </a:bodyPr>
           <a:p>
-            <a:endParaRPr b="0" lang="es-ES" sz="1400" spc="-1" strike="noStrike">
-              <a:solidFill>
-                <a:srgbClr val="000000"/>
-              </a:solidFill>
-              <a:latin typeface="Arial"/>
-            </a:endParaRPr>
-          </a:p>
-        </p:txBody>
-      </p:sp>
-      <p:sp>
-        <p:nvSpPr>
-          <p:cNvPr id="25" name="PlaceHolder 4"/>
+            <a:endParaRPr b="0" lang="es-ES" sz="3200" spc="-1" strike="noStrike">
+              <a:latin typeface="Arial"/>
+            </a:endParaRPr>
+          </a:p>
+        </p:txBody>
+      </p:sp>
+      <p:sp>
+        <p:nvSpPr>
+          <p:cNvPr id="22" name="PlaceHolder 4"/>
           <p:cNvSpPr>
             <a:spLocks noGrp="1"/>
           </p:cNvSpPr>
@@ -1456,10 +1367,7 @@
             <a:normAutofit/>
           </a:bodyPr>
           <a:p>
-            <a:endParaRPr b="0" lang="es-ES" sz="1400" spc="-1" strike="noStrike">
-              <a:solidFill>
-                <a:srgbClr val="000000"/>
-              </a:solidFill>
+            <a:endParaRPr b="0" lang="es-ES" sz="3200" spc="-1" strike="noStrike">
               <a:latin typeface="Arial"/>
             </a:endParaRPr>
           </a:p>
@@ -1507,30 +1415,24 @@
         <p:spPr>
           <a:xfrm>
             <a:off x="1523880" y="1122480"/>
-            <a:ext cx="9143640" cy="2387160"/>
-          </a:xfrm>
-          <a:prstGeom prst="rect">
-            <a:avLst/>
-          </a:prstGeom>
-        </p:spPr>
-        <p:txBody>
-          <a:bodyPr anchor="b">
+            <a:ext cx="9143280" cy="2386800"/>
+          </a:xfrm>
+          <a:prstGeom prst="rect">
+            <a:avLst/>
+          </a:prstGeom>
+        </p:spPr>
+        <p:txBody>
+          <a:bodyPr lIns="0" rIns="0" tIns="0" bIns="0" anchor="ctr">
             <a:noAutofit/>
           </a:bodyPr>
           <a:p>
             <a:r>
-              <a:rPr b="0" lang="es-ES" sz="6000" spc="-1" strike="noStrike">
-                <a:solidFill>
-                  <a:srgbClr val="000000"/>
-                </a:solidFill>
+              <a:rPr b="0" lang="es-ES" sz="1800" spc="-1" strike="noStrike">
                 <a:latin typeface="Arial"/>
               </a:rPr>
               <a:t>Click to edit the title text format</a:t>
             </a:r>
-            <a:endParaRPr b="0" lang="es-ES" sz="6000" spc="-1" strike="noStrike">
-              <a:solidFill>
-                <a:srgbClr val="000000"/>
-              </a:solidFill>
+            <a:endParaRPr b="0" lang="es-ES" sz="1800" spc="-1" strike="noStrike">
               <a:latin typeface="Arial"/>
             </a:endParaRPr>
           </a:p>
@@ -1539,111 +1441,6 @@
       <p:sp>
         <p:nvSpPr>
           <p:cNvPr id="1" name="PlaceHolder 2"/>
-          <p:cNvSpPr>
-            <a:spLocks noGrp="1"/>
-          </p:cNvSpPr>
-          <p:nvPr>
-            <p:ph type="dt"/>
-          </p:nvPr>
-        </p:nvSpPr>
-        <p:spPr>
-          <a:xfrm>
-            <a:off x="838080" y="6356520"/>
-            <a:ext cx="2742840" cy="364680"/>
-          </a:xfrm>
-          <a:prstGeom prst="rect">
-            <a:avLst/>
-          </a:prstGeom>
-        </p:spPr>
-        <p:txBody>
-          <a:bodyPr anchor="ctr">
-            <a:noAutofit/>
-          </a:bodyPr>
-          <a:p>
-            <a:endParaRPr b="0" lang="es-ES" sz="2400" spc="-1" strike="noStrike">
-              <a:latin typeface="Times New Roman"/>
-            </a:endParaRPr>
-          </a:p>
-        </p:txBody>
-      </p:sp>
-      <p:sp>
-        <p:nvSpPr>
-          <p:cNvPr id="2" name="PlaceHolder 3"/>
-          <p:cNvSpPr>
-            <a:spLocks noGrp="1"/>
-          </p:cNvSpPr>
-          <p:nvPr>
-            <p:ph type="ftr"/>
-          </p:nvPr>
-        </p:nvSpPr>
-        <p:spPr>
-          <a:xfrm>
-            <a:off x="4038480" y="6356520"/>
-            <a:ext cx="4114440" cy="364680"/>
-          </a:xfrm>
-          <a:prstGeom prst="rect">
-            <a:avLst/>
-          </a:prstGeom>
-        </p:spPr>
-        <p:txBody>
-          <a:bodyPr anchor="ctr">
-            <a:noAutofit/>
-          </a:bodyPr>
-          <a:p>
-            <a:endParaRPr b="0" lang="es-ES" sz="2400" spc="-1" strike="noStrike">
-              <a:latin typeface="Times New Roman"/>
-            </a:endParaRPr>
-          </a:p>
-        </p:txBody>
-      </p:sp>
-      <p:sp>
-        <p:nvSpPr>
-          <p:cNvPr id="3" name="PlaceHolder 4"/>
-          <p:cNvSpPr>
-            <a:spLocks noGrp="1"/>
-          </p:cNvSpPr>
-          <p:nvPr>
-            <p:ph type="sldNum"/>
-          </p:nvPr>
-        </p:nvSpPr>
-        <p:spPr>
-          <a:xfrm>
-            <a:off x="8610480" y="6356520"/>
-            <a:ext cx="2742840" cy="364680"/>
-          </a:xfrm>
-          <a:prstGeom prst="rect">
-            <a:avLst/>
-          </a:prstGeom>
-        </p:spPr>
-        <p:txBody>
-          <a:bodyPr anchor="ctr">
-            <a:noAutofit/>
-          </a:bodyPr>
-          <a:p>
-            <a:pPr algn="r">
-              <a:lnSpc>
-                <a:spcPct val="100000"/>
-              </a:lnSpc>
-            </a:pPr>
-            <a:fld id="{8A36C986-94C9-4236-A7B9-1217611341D7}" type="slidenum">
-              <a:rPr b="0" lang="es-ES" sz="1200" spc="-1" strike="noStrike">
-                <a:solidFill>
-                  <a:srgbClr val="888888"/>
-                </a:solidFill>
-                <a:latin typeface="Calibri"/>
-                <a:ea typeface="Calibri"/>
-              </a:rPr>
-              <a:t>&lt;number&gt;</a:t>
-            </a:fld>
-            <a:endParaRPr b="0" lang="es-ES" sz="1200" spc="-1" strike="noStrike">
-              <a:latin typeface="Times New Roman"/>
-            </a:endParaRPr>
-          </a:p>
-        </p:txBody>
-      </p:sp>
-      <p:sp>
-        <p:nvSpPr>
-          <p:cNvPr id="4" name="PlaceHolder 5"/>
           <p:cNvSpPr>
             <a:spLocks noGrp="1"/>
           </p:cNvSpPr>
@@ -1677,18 +1474,12 @@
               <a:buChar char=""/>
             </a:pPr>
             <a:r>
-              <a:rPr b="0" lang="es-ES" sz="1400" spc="-1" strike="noStrike">
-                <a:solidFill>
-                  <a:srgbClr val="000000"/>
-                </a:solidFill>
+              <a:rPr b="0" lang="es-ES" sz="3200" spc="-1" strike="noStrike">
                 <a:latin typeface="Arial"/>
               </a:rPr>
               <a:t>Click to edit the outline text format</a:t>
             </a:r>
-            <a:endParaRPr b="0" lang="es-ES" sz="1400" spc="-1" strike="noStrike">
-              <a:solidFill>
-                <a:srgbClr val="000000"/>
-              </a:solidFill>
+            <a:endParaRPr b="0" lang="es-ES" sz="3200" spc="-1" strike="noStrike">
               <a:latin typeface="Arial"/>
             </a:endParaRPr>
           </a:p>
@@ -1705,18 +1496,12 @@
               <a:buChar char=""/>
             </a:pPr>
             <a:r>
-              <a:rPr b="0" lang="es-ES" sz="1400" spc="-1" strike="noStrike">
-                <a:solidFill>
-                  <a:srgbClr val="000000"/>
-                </a:solidFill>
+              <a:rPr b="0" lang="es-ES" sz="2800" spc="-1" strike="noStrike">
                 <a:latin typeface="Arial"/>
               </a:rPr>
               <a:t>Second Outline Level</a:t>
             </a:r>
-            <a:endParaRPr b="0" lang="es-ES" sz="1400" spc="-1" strike="noStrike">
-              <a:solidFill>
-                <a:srgbClr val="000000"/>
-              </a:solidFill>
+            <a:endParaRPr b="0" lang="es-ES" sz="2800" spc="-1" strike="noStrike">
               <a:latin typeface="Arial"/>
             </a:endParaRPr>
           </a:p>
@@ -1733,18 +1518,12 @@
               <a:buChar char=""/>
             </a:pPr>
             <a:r>
-              <a:rPr b="0" lang="es-ES" sz="1400" spc="-1" strike="noStrike">
-                <a:solidFill>
-                  <a:srgbClr val="000000"/>
-                </a:solidFill>
+              <a:rPr b="0" lang="es-ES" sz="2400" spc="-1" strike="noStrike">
                 <a:latin typeface="Arial"/>
               </a:rPr>
               <a:t>Third Outline Level</a:t>
             </a:r>
-            <a:endParaRPr b="0" lang="es-ES" sz="1400" spc="-1" strike="noStrike">
-              <a:solidFill>
-                <a:srgbClr val="000000"/>
-              </a:solidFill>
+            <a:endParaRPr b="0" lang="es-ES" sz="2400" spc="-1" strike="noStrike">
               <a:latin typeface="Arial"/>
             </a:endParaRPr>
           </a:p>
@@ -1761,18 +1540,12 @@
               <a:buChar char=""/>
             </a:pPr>
             <a:r>
-              <a:rPr b="0" lang="es-ES" sz="1400" spc="-1" strike="noStrike">
-                <a:solidFill>
-                  <a:srgbClr val="000000"/>
-                </a:solidFill>
+              <a:rPr b="0" lang="es-ES" sz="2000" spc="-1" strike="noStrike">
                 <a:latin typeface="Arial"/>
               </a:rPr>
               <a:t>Fourth Outline Level</a:t>
             </a:r>
-            <a:endParaRPr b="0" lang="es-ES" sz="1400" spc="-1" strike="noStrike">
-              <a:solidFill>
-                <a:srgbClr val="000000"/>
-              </a:solidFill>
+            <a:endParaRPr b="0" lang="es-ES" sz="2000" spc="-1" strike="noStrike">
               <a:latin typeface="Arial"/>
             </a:endParaRPr>
           </a:p>
@@ -1790,17 +1563,11 @@
             </a:pPr>
             <a:r>
               <a:rPr b="0" lang="es-ES" sz="2000" spc="-1" strike="noStrike">
-                <a:solidFill>
-                  <a:srgbClr val="000000"/>
-                </a:solidFill>
                 <a:latin typeface="Arial"/>
               </a:rPr>
               <a:t>Fifth Outline Level</a:t>
             </a:r>
             <a:endParaRPr b="0" lang="es-ES" sz="2000" spc="-1" strike="noStrike">
-              <a:solidFill>
-                <a:srgbClr val="000000"/>
-              </a:solidFill>
               <a:latin typeface="Arial"/>
             </a:endParaRPr>
           </a:p>
@@ -1818,17 +1585,11 @@
             </a:pPr>
             <a:r>
               <a:rPr b="0" lang="es-ES" sz="2000" spc="-1" strike="noStrike">
-                <a:solidFill>
-                  <a:srgbClr val="000000"/>
-                </a:solidFill>
                 <a:latin typeface="Arial"/>
               </a:rPr>
               <a:t>Sixth Outline Level</a:t>
             </a:r>
             <a:endParaRPr b="0" lang="es-ES" sz="2000" spc="-1" strike="noStrike">
-              <a:solidFill>
-                <a:srgbClr val="000000"/>
-              </a:solidFill>
               <a:latin typeface="Arial"/>
             </a:endParaRPr>
           </a:p>
@@ -1846,17 +1607,11 @@
             </a:pPr>
             <a:r>
               <a:rPr b="0" lang="es-ES" sz="2000" spc="-1" strike="noStrike">
-                <a:solidFill>
-                  <a:srgbClr val="000000"/>
-                </a:solidFill>
                 <a:latin typeface="Arial"/>
               </a:rPr>
               <a:t>Seventh Outline Level</a:t>
             </a:r>
             <a:endParaRPr b="0" lang="es-ES" sz="2000" spc="-1" strike="noStrike">
-              <a:solidFill>
-                <a:srgbClr val="000000"/>
-              </a:solidFill>
               <a:latin typeface="Arial"/>
             </a:endParaRPr>
           </a:p>
@@ -1901,14 +1656,14 @@
       </p:grpSpPr>
       <p:sp>
         <p:nvSpPr>
-          <p:cNvPr id="41" name="CustomShape 1"/>
+          <p:cNvPr id="38" name="CustomShape 1"/>
           <p:cNvSpPr/>
           <p:nvPr/>
         </p:nvSpPr>
         <p:spPr>
           <a:xfrm>
             <a:off x="0" y="1141560"/>
-            <a:ext cx="6091200" cy="1446120"/>
+            <a:ext cx="6090840" cy="1445760"/>
           </a:xfrm>
           <a:prstGeom prst="rect">
             <a:avLst/>
@@ -1925,7 +1680,7 @@
           <a:fontRef idx="minor"/>
         </p:style>
         <p:txBody>
-          <a:bodyPr>
+          <a:bodyPr lIns="90000" rIns="90000" tIns="45000" bIns="45000">
             <a:noAutofit/>
           </a:bodyPr>
           <a:p>
@@ -1952,14 +1707,14 @@
       </p:sp>
       <p:sp>
         <p:nvSpPr>
-          <p:cNvPr id="42" name="CustomShape 2"/>
+          <p:cNvPr id="39" name="CustomShape 2"/>
           <p:cNvSpPr/>
           <p:nvPr/>
         </p:nvSpPr>
         <p:spPr>
           <a:xfrm>
             <a:off x="6435000" y="696600"/>
-            <a:ext cx="5366880" cy="5624280"/>
+            <a:ext cx="5366520" cy="5623920"/>
           </a:xfrm>
           <a:prstGeom prst="rect">
             <a:avLst/>
@@ -1976,11 +1731,11 @@
           <a:fontRef idx="minor"/>
         </p:style>
         <p:txBody>
-          <a:bodyPr>
+          <a:bodyPr lIns="90000" rIns="90000" tIns="45000" bIns="45000">
             <a:noAutofit/>
           </a:bodyPr>
           <a:p>
-            <a:pPr marL="343080" indent="-342720">
+            <a:pPr marL="343080" indent="-342360">
               <a:lnSpc>
                 <a:spcPct val="107000"/>
               </a:lnSpc>
@@ -2015,7 +1770,7 @@
             </a:endParaRPr>
           </a:p>
           <a:p>
-            <a:pPr marL="457200" indent="-380520">
+            <a:pPr marL="457200" indent="-380160">
               <a:lnSpc>
                 <a:spcPct val="107000"/>
               </a:lnSpc>
@@ -2050,7 +1805,7 @@
             </a:endParaRPr>
           </a:p>
           <a:p>
-            <a:pPr marL="343080" indent="-342720">
+            <a:pPr marL="343080" indent="-342360">
               <a:lnSpc>
                 <a:spcPct val="107000"/>
               </a:lnSpc>
@@ -2085,7 +1840,7 @@
             </a:endParaRPr>
           </a:p>
           <a:p>
-            <a:pPr marL="343080" indent="-342720">
+            <a:pPr marL="343080" indent="-342360">
               <a:lnSpc>
                 <a:spcPct val="107000"/>
               </a:lnSpc>
@@ -2120,7 +1875,7 @@
             </a:endParaRPr>
           </a:p>
           <a:p>
-            <a:pPr marL="343080" indent="-342720">
+            <a:pPr marL="343080" indent="-342360">
               <a:lnSpc>
                 <a:spcPct val="107000"/>
               </a:lnSpc>
@@ -2155,7 +1910,7 @@
             </a:endParaRPr>
           </a:p>
           <a:p>
-            <a:pPr marL="343080" indent="-342720">
+            <a:pPr marL="343080" indent="-342360">
               <a:lnSpc>
                 <a:spcPct val="107000"/>
               </a:lnSpc>
@@ -2183,7 +1938,7 @@
       </p:sp>
       <p:pic>
         <p:nvPicPr>
-          <p:cNvPr id="43" name="Google Shape;86;p13" descr=""/>
+          <p:cNvPr id="40" name="Google Shape;86;p13" descr=""/>
           <p:cNvPicPr/>
           <p:nvPr/>
         </p:nvPicPr>
@@ -2194,7 +1949,7 @@
         <p:spPr>
           <a:xfrm>
             <a:off x="1900800" y="2814120"/>
-            <a:ext cx="2289600" cy="1940400"/>
+            <a:ext cx="2289240" cy="1940040"/>
           </a:xfrm>
           <a:prstGeom prst="rect">
             <a:avLst/>
@@ -2236,14 +1991,14 @@
       </p:grpSpPr>
       <p:sp>
         <p:nvSpPr>
-          <p:cNvPr id="60" name="CustomShape 1"/>
+          <p:cNvPr id="57" name="CustomShape 1"/>
           <p:cNvSpPr/>
           <p:nvPr/>
         </p:nvSpPr>
         <p:spPr>
           <a:xfrm>
             <a:off x="0" y="132840"/>
-            <a:ext cx="6091200" cy="1446120"/>
+            <a:ext cx="6090840" cy="1445760"/>
           </a:xfrm>
           <a:prstGeom prst="rect">
             <a:avLst/>
@@ -2260,7 +2015,7 @@
           <a:fontRef idx="minor"/>
         </p:style>
         <p:txBody>
-          <a:bodyPr>
+          <a:bodyPr lIns="90000" rIns="90000" tIns="45000" bIns="45000">
             <a:noAutofit/>
           </a:bodyPr>
           <a:p>
@@ -2287,7 +2042,7 @@
       </p:sp>
       <p:pic>
         <p:nvPicPr>
-          <p:cNvPr id="61" name="Google Shape;146;p23" descr=""/>
+          <p:cNvPr id="58" name="Google Shape;146;p23" descr=""/>
           <p:cNvPicPr/>
           <p:nvPr/>
         </p:nvPicPr>
@@ -2298,7 +2053,7 @@
         <p:spPr>
           <a:xfrm>
             <a:off x="2901960" y="1987200"/>
-            <a:ext cx="6387480" cy="4677840"/>
+            <a:ext cx="6387120" cy="4677480"/>
           </a:xfrm>
           <a:prstGeom prst="rect">
             <a:avLst/>
@@ -2340,14 +2095,14 @@
       </p:grpSpPr>
       <p:sp>
         <p:nvSpPr>
-          <p:cNvPr id="62" name="CustomShape 1"/>
+          <p:cNvPr id="59" name="CustomShape 1"/>
           <p:cNvSpPr/>
           <p:nvPr/>
         </p:nvSpPr>
         <p:spPr>
           <a:xfrm>
             <a:off x="0" y="2303280"/>
-            <a:ext cx="6091200" cy="1323000"/>
+            <a:ext cx="6090840" cy="1322640"/>
           </a:xfrm>
           <a:prstGeom prst="rect">
             <a:avLst/>
@@ -2364,7 +2119,7 @@
           <a:fontRef idx="minor"/>
         </p:style>
         <p:txBody>
-          <a:bodyPr>
+          <a:bodyPr lIns="90000" rIns="90000" tIns="45000" bIns="45000">
             <a:noAutofit/>
           </a:bodyPr>
           <a:p>
@@ -2391,14 +2146,14 @@
       </p:sp>
       <p:sp>
         <p:nvSpPr>
-          <p:cNvPr id="63" name="CustomShape 2"/>
+          <p:cNvPr id="60" name="CustomShape 2"/>
           <p:cNvSpPr/>
           <p:nvPr/>
         </p:nvSpPr>
         <p:spPr>
           <a:xfrm>
             <a:off x="6091560" y="2303640"/>
-            <a:ext cx="6091200" cy="1323000"/>
+            <a:ext cx="6090840" cy="1322640"/>
           </a:xfrm>
           <a:prstGeom prst="rect">
             <a:avLst/>
@@ -2415,7 +2170,7 @@
           <a:fontRef idx="minor"/>
         </p:style>
         <p:txBody>
-          <a:bodyPr>
+          <a:bodyPr lIns="90000" rIns="90000" tIns="45000" bIns="45000">
             <a:noAutofit/>
           </a:bodyPr>
           <a:p>
@@ -2472,14 +2227,14 @@
       </p:grpSpPr>
       <p:sp>
         <p:nvSpPr>
-          <p:cNvPr id="44" name="CustomShape 1"/>
+          <p:cNvPr id="41" name="CustomShape 1"/>
           <p:cNvSpPr/>
           <p:nvPr/>
         </p:nvSpPr>
         <p:spPr>
           <a:xfrm>
             <a:off x="0" y="2303280"/>
-            <a:ext cx="6091200" cy="1446120"/>
+            <a:ext cx="6090840" cy="1445760"/>
           </a:xfrm>
           <a:prstGeom prst="rect">
             <a:avLst/>
@@ -2496,7 +2251,7 @@
           <a:fontRef idx="minor"/>
         </p:style>
         <p:txBody>
-          <a:bodyPr>
+          <a:bodyPr lIns="90000" rIns="90000" tIns="45000" bIns="45000">
             <a:noAutofit/>
           </a:bodyPr>
           <a:p>
@@ -2523,13 +2278,13 @@
       </p:sp>
       <p:graphicFrame>
         <p:nvGraphicFramePr>
-          <p:cNvPr id="45" name="Table 2"/>
+          <p:cNvPr id="42" name="Table 2"/>
           <p:cNvGraphicFramePr/>
           <p:nvPr/>
         </p:nvGraphicFramePr>
         <p:xfrm>
           <a:off x="6599880" y="524160"/>
-          <a:ext cx="5366880" cy="4101120"/>
+          <a:ext cx="5366520" cy="5770440"/>
         </p:xfrm>
         <a:graphic>
           <a:graphicData uri="http://schemas.openxmlformats.org/drawingml/2006/table">
@@ -2542,7 +2297,7 @@
               <a:tr h="412200">
                 <a:tc>
                   <a:txBody>
-                    <a:bodyPr lIns="91080" rIns="91080" tIns="91080" bIns="91080">
+                    <a:bodyPr lIns="91080" rIns="91080">
                       <a:noAutofit/>
                     </a:bodyPr>
                     <a:p>
@@ -2592,7 +2347,7 @@
                 </a:tc>
                 <a:tc>
                   <a:txBody>
-                    <a:bodyPr lIns="91080" rIns="91080" tIns="91080" bIns="91080">
+                    <a:bodyPr lIns="91080" rIns="91080">
                       <a:noAutofit/>
                     </a:bodyPr>
                     <a:p>
@@ -2644,7 +2399,7 @@
               <a:tr h="412200">
                 <a:tc>
                   <a:txBody>
-                    <a:bodyPr lIns="91080" rIns="91080" tIns="91080" bIns="91080">
+                    <a:bodyPr lIns="91080" rIns="91080">
                       <a:noAutofit/>
                     </a:bodyPr>
                     <a:p>
@@ -2694,7 +2449,7 @@
                 </a:tc>
                 <a:tc>
                   <a:txBody>
-                    <a:bodyPr lIns="91080" rIns="91080" tIns="91080" bIns="91080">
+                    <a:bodyPr lIns="91080" rIns="91080">
                       <a:noAutofit/>
                     </a:bodyPr>
                     <a:p>
@@ -2746,7 +2501,7 @@
               <a:tr h="412200">
                 <a:tc>
                   <a:txBody>
-                    <a:bodyPr lIns="91080" rIns="91080" tIns="91080" bIns="91080">
+                    <a:bodyPr lIns="91080" rIns="91080">
                       <a:noAutofit/>
                     </a:bodyPr>
                     <a:p>
@@ -2796,7 +2551,7 @@
                 </a:tc>
                 <a:tc>
                   <a:txBody>
-                    <a:bodyPr lIns="91080" rIns="91080" tIns="91080" bIns="91080">
+                    <a:bodyPr lIns="91080" rIns="91080">
                       <a:noAutofit/>
                     </a:bodyPr>
                     <a:p>
@@ -2848,7 +2603,7 @@
               <a:tr h="412200">
                 <a:tc>
                   <a:txBody>
-                    <a:bodyPr lIns="91080" rIns="91080" tIns="91080" bIns="91080">
+                    <a:bodyPr lIns="91080" rIns="91080">
                       <a:noAutofit/>
                     </a:bodyPr>
                     <a:p>
@@ -2898,7 +2653,7 @@
                 </a:tc>
                 <a:tc>
                   <a:txBody>
-                    <a:bodyPr lIns="91080" rIns="91080" tIns="91080" bIns="91080">
+                    <a:bodyPr lIns="91080" rIns="91080">
                       <a:noAutofit/>
                     </a:bodyPr>
                     <a:p>
@@ -2950,7 +2705,7 @@
               <a:tr h="412200">
                 <a:tc>
                   <a:txBody>
-                    <a:bodyPr lIns="91080" rIns="91080" tIns="91080" bIns="91080">
+                    <a:bodyPr lIns="91080" rIns="91080">
                       <a:noAutofit/>
                     </a:bodyPr>
                     <a:p>
@@ -3000,7 +2755,7 @@
                 </a:tc>
                 <a:tc>
                   <a:txBody>
-                    <a:bodyPr lIns="91080" rIns="91080" tIns="91080" bIns="91080">
+                    <a:bodyPr lIns="91080" rIns="91080">
                       <a:noAutofit/>
                     </a:bodyPr>
                     <a:p>
@@ -3052,7 +2807,7 @@
               <a:tr h="412200">
                 <a:tc>
                   <a:txBody>
-                    <a:bodyPr lIns="91080" rIns="91080" tIns="91080" bIns="91080">
+                    <a:bodyPr lIns="91080" rIns="91080">
                       <a:noAutofit/>
                     </a:bodyPr>
                     <a:p>
@@ -3102,7 +2857,7 @@
                 </a:tc>
                 <a:tc>
                   <a:txBody>
-                    <a:bodyPr lIns="91080" rIns="91080" tIns="91080" bIns="91080">
+                    <a:bodyPr lIns="91080" rIns="91080">
                       <a:noAutofit/>
                     </a:bodyPr>
                     <a:p>
@@ -3154,7 +2909,7 @@
               <a:tr h="412200">
                 <a:tc>
                   <a:txBody>
-                    <a:bodyPr lIns="91080" rIns="91080" tIns="91080" bIns="91080">
+                    <a:bodyPr lIns="91080" rIns="91080">
                       <a:noAutofit/>
                     </a:bodyPr>
                     <a:p>
@@ -3204,7 +2959,7 @@
                 </a:tc>
                 <a:tc>
                   <a:txBody>
-                    <a:bodyPr lIns="91080" rIns="91080" tIns="91080" bIns="91080">
+                    <a:bodyPr lIns="91080" rIns="91080">
                       <a:noAutofit/>
                     </a:bodyPr>
                     <a:p>
@@ -3256,7 +3011,7 @@
               <a:tr h="412200">
                 <a:tc>
                   <a:txBody>
-                    <a:bodyPr lIns="91080" rIns="91080" tIns="91080" bIns="91080">
+                    <a:bodyPr lIns="91080" rIns="91080">
                       <a:noAutofit/>
                     </a:bodyPr>
                     <a:p>
@@ -3306,7 +3061,7 @@
                 </a:tc>
                 <a:tc>
                   <a:txBody>
-                    <a:bodyPr lIns="91080" rIns="91080" tIns="91080" bIns="91080">
+                    <a:bodyPr lIns="91080" rIns="91080">
                       <a:noAutofit/>
                     </a:bodyPr>
                     <a:p>
@@ -3358,7 +3113,7 @@
               <a:tr h="412200">
                 <a:tc>
                   <a:txBody>
-                    <a:bodyPr lIns="91080" rIns="91080" tIns="91080" bIns="91080">
+                    <a:bodyPr lIns="91080" rIns="91080">
                       <a:noAutofit/>
                     </a:bodyPr>
                     <a:p>
@@ -3408,7 +3163,7 @@
                 </a:tc>
                 <a:tc>
                   <a:txBody>
-                    <a:bodyPr lIns="91080" rIns="91080" tIns="91080" bIns="91080">
+                    <a:bodyPr lIns="91080" rIns="91080">
                       <a:noAutofit/>
                     </a:bodyPr>
                     <a:p>
@@ -3460,7 +3215,7 @@
               <a:tr h="412200">
                 <a:tc>
                   <a:txBody>
-                    <a:bodyPr lIns="91080" rIns="91080" tIns="91080" bIns="91080">
+                    <a:bodyPr lIns="91080" rIns="91080">
                       <a:noAutofit/>
                     </a:bodyPr>
                     <a:p>
@@ -3510,7 +3265,7 @@
                 </a:tc>
                 <a:tc>
                   <a:txBody>
-                    <a:bodyPr lIns="91080" rIns="91080" tIns="91080" bIns="91080">
+                    <a:bodyPr lIns="91080" rIns="91080">
                       <a:noAutofit/>
                     </a:bodyPr>
                     <a:p>
@@ -3562,7 +3317,7 @@
               <a:tr h="412200">
                 <a:tc>
                   <a:txBody>
-                    <a:bodyPr lIns="91080" rIns="91080" tIns="91080" bIns="91080">
+                    <a:bodyPr lIns="91080" rIns="91080">
                       <a:noAutofit/>
                     </a:bodyPr>
                     <a:p>
@@ -3612,7 +3367,7 @@
                 </a:tc>
                 <a:tc>
                   <a:txBody>
-                    <a:bodyPr lIns="91080" rIns="91080" tIns="91080" bIns="91080">
+                    <a:bodyPr lIns="91080" rIns="91080">
                       <a:noAutofit/>
                     </a:bodyPr>
                     <a:p>
@@ -3664,7 +3419,7 @@
               <a:tr h="412200">
                 <a:tc>
                   <a:txBody>
-                    <a:bodyPr lIns="91080" rIns="91080" tIns="91080" bIns="91080">
+                    <a:bodyPr lIns="91080" rIns="91080">
                       <a:noAutofit/>
                     </a:bodyPr>
                     <a:p>
@@ -3714,7 +3469,7 @@
                 </a:tc>
                 <a:tc>
                   <a:txBody>
-                    <a:bodyPr lIns="91080" rIns="91080" tIns="91080" bIns="91080">
+                    <a:bodyPr lIns="91080" rIns="91080">
                       <a:noAutofit/>
                     </a:bodyPr>
                     <a:p>
@@ -3766,7 +3521,7 @@
               <a:tr h="412200">
                 <a:tc>
                   <a:txBody>
-                    <a:bodyPr lIns="91080" rIns="91080" tIns="91080" bIns="91080">
+                    <a:bodyPr lIns="91080" rIns="91080">
                       <a:noAutofit/>
                     </a:bodyPr>
                     <a:p>
@@ -3816,7 +3571,7 @@
                 </a:tc>
                 <a:tc>
                   <a:txBody>
-                    <a:bodyPr lIns="91080" rIns="91080" tIns="91080" bIns="91080">
+                    <a:bodyPr lIns="91080" rIns="91080">
                       <a:noAutofit/>
                     </a:bodyPr>
                     <a:p>
@@ -3868,7 +3623,7 @@
               <a:tr h="412200">
                 <a:tc>
                   <a:txBody>
-                    <a:bodyPr lIns="91080" rIns="91080" tIns="91080" bIns="91080">
+                    <a:bodyPr lIns="91080" rIns="91080">
                       <a:noAutofit/>
                     </a:bodyPr>
                     <a:p>
@@ -3918,7 +3673,7 @@
                 </a:tc>
                 <a:tc>
                   <a:txBody>
-                    <a:bodyPr lIns="91080" rIns="91080" tIns="91080" bIns="91080">
+                    <a:bodyPr lIns="91080" rIns="91080">
                       <a:noAutofit/>
                     </a:bodyPr>
                     <a:p>
@@ -4003,14 +3758,14 @@
       </p:grpSpPr>
       <p:sp>
         <p:nvSpPr>
-          <p:cNvPr id="46" name="CustomShape 1"/>
+          <p:cNvPr id="43" name="CustomShape 1"/>
           <p:cNvSpPr/>
           <p:nvPr/>
         </p:nvSpPr>
         <p:spPr>
           <a:xfrm>
             <a:off x="0" y="2303280"/>
-            <a:ext cx="6091200" cy="1446120"/>
+            <a:ext cx="6090840" cy="1445760"/>
           </a:xfrm>
           <a:prstGeom prst="rect">
             <a:avLst/>
@@ -4027,7 +3782,7 @@
           <a:fontRef idx="minor"/>
         </p:style>
         <p:txBody>
-          <a:bodyPr>
+          <a:bodyPr lIns="90000" rIns="90000" tIns="45000" bIns="45000">
             <a:noAutofit/>
           </a:bodyPr>
           <a:p>
@@ -4074,7 +3829,7 @@
       </p:sp>
       <p:pic>
         <p:nvPicPr>
-          <p:cNvPr id="47" name="Google Shape;98;p15" descr=""/>
+          <p:cNvPr id="44" name="" descr=""/>
           <p:cNvPicPr/>
           <p:nvPr/>
         </p:nvPicPr>
@@ -4084,8 +3839,8 @@
         </p:blipFill>
         <p:spPr>
           <a:xfrm>
-            <a:off x="6503040" y="1149480"/>
-            <a:ext cx="4888800" cy="4558680"/>
+            <a:off x="5832000" y="504000"/>
+            <a:ext cx="6057720" cy="6114600"/>
           </a:xfrm>
           <a:prstGeom prst="rect">
             <a:avLst/>
@@ -4127,14 +3882,14 @@
       </p:grpSpPr>
       <p:sp>
         <p:nvSpPr>
-          <p:cNvPr id="48" name="CustomShape 1"/>
+          <p:cNvPr id="45" name="CustomShape 1"/>
           <p:cNvSpPr/>
           <p:nvPr/>
         </p:nvSpPr>
         <p:spPr>
           <a:xfrm>
             <a:off x="0" y="2303280"/>
-            <a:ext cx="6091200" cy="1446120"/>
+            <a:ext cx="6090840" cy="1445760"/>
           </a:xfrm>
           <a:prstGeom prst="rect">
             <a:avLst/>
@@ -4151,7 +3906,7 @@
           <a:fontRef idx="minor"/>
         </p:style>
         <p:txBody>
-          <a:bodyPr>
+          <a:bodyPr lIns="90000" rIns="90000" tIns="45000" bIns="45000">
             <a:noAutofit/>
           </a:bodyPr>
           <a:p>
@@ -4198,7 +3953,7 @@
       </p:sp>
       <p:pic>
         <p:nvPicPr>
-          <p:cNvPr id="49" name="Google Shape;104;p16" descr=""/>
+          <p:cNvPr id="46" name="Google Shape;104;p16" descr=""/>
           <p:cNvPicPr/>
           <p:nvPr/>
         </p:nvPicPr>
@@ -4209,7 +3964,7 @@
         <p:spPr>
           <a:xfrm>
             <a:off x="5841000" y="751320"/>
-            <a:ext cx="6350760" cy="5634000"/>
+            <a:ext cx="6350400" cy="5633640"/>
           </a:xfrm>
           <a:prstGeom prst="rect">
             <a:avLst/>
@@ -4251,14 +4006,14 @@
       </p:grpSpPr>
       <p:sp>
         <p:nvSpPr>
-          <p:cNvPr id="50" name="CustomShape 1"/>
+          <p:cNvPr id="47" name="CustomShape 1"/>
           <p:cNvSpPr/>
           <p:nvPr/>
         </p:nvSpPr>
         <p:spPr>
           <a:xfrm>
             <a:off x="3272400" y="1018800"/>
-            <a:ext cx="5647320" cy="1446120"/>
+            <a:ext cx="5646960" cy="1445760"/>
           </a:xfrm>
           <a:prstGeom prst="rect">
             <a:avLst/>
@@ -4275,7 +4030,7 @@
           <a:fontRef idx="minor"/>
         </p:style>
         <p:txBody>
-          <a:bodyPr>
+          <a:bodyPr lIns="90000" rIns="90000" tIns="45000" bIns="45000">
             <a:noAutofit/>
           </a:bodyPr>
           <a:p>
@@ -4302,7 +4057,7 @@
       </p:sp>
       <p:pic>
         <p:nvPicPr>
-          <p:cNvPr id="51" name="Google Shape;110;p17" descr=""/>
+          <p:cNvPr id="48" name="Google Shape;110;p17" descr=""/>
           <p:cNvPicPr/>
           <p:nvPr/>
         </p:nvPicPr>
@@ -4313,7 +4068,7 @@
         <p:spPr>
           <a:xfrm>
             <a:off x="1721520" y="3119760"/>
-            <a:ext cx="8748360" cy="3325680"/>
+            <a:ext cx="8748000" cy="3325320"/>
           </a:xfrm>
           <a:prstGeom prst="rect">
             <a:avLst/>
@@ -4355,14 +4110,14 @@
       </p:grpSpPr>
       <p:sp>
         <p:nvSpPr>
-          <p:cNvPr id="52" name="CustomShape 1"/>
+          <p:cNvPr id="49" name="CustomShape 1"/>
           <p:cNvSpPr/>
           <p:nvPr/>
         </p:nvSpPr>
         <p:spPr>
           <a:xfrm>
             <a:off x="51480" y="428400"/>
-            <a:ext cx="6091200" cy="1446120"/>
+            <a:ext cx="6090840" cy="1445760"/>
           </a:xfrm>
           <a:prstGeom prst="rect">
             <a:avLst/>
@@ -4379,7 +4134,7 @@
           <a:fontRef idx="minor"/>
         </p:style>
         <p:txBody>
-          <a:bodyPr>
+          <a:bodyPr lIns="90000" rIns="90000" tIns="45000" bIns="45000">
             <a:noAutofit/>
           </a:bodyPr>
           <a:p>
@@ -4426,7 +4181,7 @@
       </p:sp>
       <p:pic>
         <p:nvPicPr>
-          <p:cNvPr id="53" name="Google Shape;116;p18" descr=""/>
+          <p:cNvPr id="50" name="Google Shape;116;p18" descr=""/>
           <p:cNvPicPr/>
           <p:nvPr/>
         </p:nvPicPr>
@@ -4437,7 +4192,7 @@
         <p:spPr>
           <a:xfrm>
             <a:off x="152280" y="2913480"/>
-            <a:ext cx="11886840" cy="3091320"/>
+            <a:ext cx="11886480" cy="3090960"/>
           </a:xfrm>
           <a:prstGeom prst="rect">
             <a:avLst/>
@@ -4479,14 +4234,14 @@
       </p:grpSpPr>
       <p:sp>
         <p:nvSpPr>
-          <p:cNvPr id="54" name="CustomShape 1"/>
+          <p:cNvPr id="51" name="CustomShape 1"/>
           <p:cNvSpPr/>
           <p:nvPr/>
         </p:nvSpPr>
         <p:spPr>
           <a:xfrm>
             <a:off x="51480" y="428400"/>
-            <a:ext cx="6091200" cy="1446120"/>
+            <a:ext cx="6090840" cy="1445760"/>
           </a:xfrm>
           <a:prstGeom prst="rect">
             <a:avLst/>
@@ -4503,7 +4258,7 @@
           <a:fontRef idx="minor"/>
         </p:style>
         <p:txBody>
-          <a:bodyPr>
+          <a:bodyPr lIns="90000" rIns="90000" tIns="45000" bIns="45000">
             <a:noAutofit/>
           </a:bodyPr>
           <a:p>
@@ -4530,7 +4285,7 @@
       </p:sp>
       <p:pic>
         <p:nvPicPr>
-          <p:cNvPr id="55" name="Google Shape;128;p20" descr=""/>
+          <p:cNvPr id="52" name="Google Shape;128;p20" descr=""/>
           <p:cNvPicPr/>
           <p:nvPr/>
         </p:nvPicPr>
@@ -4541,7 +4296,7 @@
         <p:spPr>
           <a:xfrm>
             <a:off x="3424320" y="3517200"/>
-            <a:ext cx="5343120" cy="2199960"/>
+            <a:ext cx="5342760" cy="2199600"/>
           </a:xfrm>
           <a:prstGeom prst="rect">
             <a:avLst/>
@@ -4583,14 +4338,14 @@
       </p:grpSpPr>
       <p:sp>
         <p:nvSpPr>
-          <p:cNvPr id="56" name="CustomShape 1"/>
+          <p:cNvPr id="53" name="CustomShape 1"/>
           <p:cNvSpPr/>
           <p:nvPr/>
         </p:nvSpPr>
         <p:spPr>
           <a:xfrm>
             <a:off x="51480" y="428400"/>
-            <a:ext cx="6091200" cy="1446120"/>
+            <a:ext cx="6090840" cy="1445760"/>
           </a:xfrm>
           <a:prstGeom prst="rect">
             <a:avLst/>
@@ -4607,7 +4362,7 @@
           <a:fontRef idx="minor"/>
         </p:style>
         <p:txBody>
-          <a:bodyPr>
+          <a:bodyPr lIns="90000" rIns="90000" tIns="45000" bIns="45000">
             <a:noAutofit/>
           </a:bodyPr>
           <a:p>
@@ -4634,7 +4389,7 @@
       </p:sp>
       <p:pic>
         <p:nvPicPr>
-          <p:cNvPr id="57" name="Google Shape;134;p21" descr=""/>
+          <p:cNvPr id="54" name="Google Shape;134;p21" descr=""/>
           <p:cNvPicPr/>
           <p:nvPr/>
         </p:nvPicPr>
@@ -4645,7 +4400,7 @@
         <p:spPr>
           <a:xfrm>
             <a:off x="3976560" y="2284200"/>
-            <a:ext cx="4238280" cy="4161960"/>
+            <a:ext cx="4237920" cy="4161600"/>
           </a:xfrm>
           <a:prstGeom prst="rect">
             <a:avLst/>
@@ -4687,14 +4442,14 @@
       </p:grpSpPr>
       <p:sp>
         <p:nvSpPr>
-          <p:cNvPr id="58" name="CustomShape 1"/>
+          <p:cNvPr id="55" name="CustomShape 1"/>
           <p:cNvSpPr/>
           <p:nvPr/>
         </p:nvSpPr>
         <p:spPr>
           <a:xfrm>
             <a:off x="51480" y="428400"/>
-            <a:ext cx="6091200" cy="1446120"/>
+            <a:ext cx="6090840" cy="1445760"/>
           </a:xfrm>
           <a:prstGeom prst="rect">
             <a:avLst/>
@@ -4711,7 +4466,7 @@
           <a:fontRef idx="minor"/>
         </p:style>
         <p:txBody>
-          <a:bodyPr>
+          <a:bodyPr lIns="90000" rIns="90000" tIns="45000" bIns="45000">
             <a:noAutofit/>
           </a:bodyPr>
           <a:p>
@@ -4738,7 +4493,7 @@
       </p:sp>
       <p:pic>
         <p:nvPicPr>
-          <p:cNvPr id="59" name="Google Shape;140;p22" descr=""/>
+          <p:cNvPr id="56" name="Google Shape;140;p22" descr=""/>
           <p:cNvPicPr/>
           <p:nvPr/>
         </p:nvPicPr>
@@ -4749,7 +4504,7 @@
         <p:spPr>
           <a:xfrm>
             <a:off x="3262320" y="3289680"/>
-            <a:ext cx="5666760" cy="2454480"/>
+            <a:ext cx="5666400" cy="2454120"/>
           </a:xfrm>
           <a:prstGeom prst="rect">
             <a:avLst/>
